--- a/ComputerVision/Lecture 07 - CNN Implementation/Lecture 07 -CNN Architecture.pptx
+++ b/ComputerVision/Lecture 07 - CNN Implementation/Lecture 07 -CNN Architecture.pptx
@@ -29,7 +29,7 @@
     <p:sldMasterId id="2147483696" r:id="rId25"/>
   </p:sldMasterIdLst>
   <p:notesMasterIdLst>
-    <p:notesMasterId r:id="rId42"/>
+    <p:notesMasterId r:id="rId43"/>
   </p:notesMasterIdLst>
   <p:sldIdLst>
     <p:sldId id="256" r:id="rId26"/>
@@ -47,7 +47,8 @@
     <p:sldId id="269" r:id="rId38"/>
     <p:sldId id="270" r:id="rId39"/>
     <p:sldId id="271" r:id="rId40"/>
-    <p:sldId id="272" r:id="rId41"/>
+    <p:sldId id="274" r:id="rId41"/>
+    <p:sldId id="272" r:id="rId42"/>
   </p:sldIdLst>
   <p:sldSz cx="10080625" cy="7559675"/>
   <p:notesSz cx="7559675" cy="10691813"/>
@@ -1051,8 +1052,8 @@
         </p:nvSpPr>
         <p:spPr>
           <a:xfrm>
-            <a:off x="1376280" y="1336680"/>
-            <a:ext cx="4802040" cy="3601800"/>
+            <a:off x="1376363" y="1336675"/>
+            <a:ext cx="4802187" cy="3602038"/>
           </a:xfrm>
           <a:prstGeom prst="rect">
             <a:avLst/>
@@ -1201,8 +1202,8 @@
         </p:nvSpPr>
         <p:spPr>
           <a:xfrm>
-            <a:off x="1376280" y="1336680"/>
-            <a:ext cx="4802040" cy="3601800"/>
+            <a:off x="1376363" y="1336675"/>
+            <a:ext cx="4802187" cy="3602038"/>
           </a:xfrm>
           <a:prstGeom prst="rect">
             <a:avLst/>
@@ -1351,8 +1352,8 @@
         </p:nvSpPr>
         <p:spPr>
           <a:xfrm>
-            <a:off x="1376280" y="1336680"/>
-            <a:ext cx="4802040" cy="3601800"/>
+            <a:off x="1376363" y="1336675"/>
+            <a:ext cx="4802187" cy="3602038"/>
           </a:xfrm>
           <a:prstGeom prst="rect">
             <a:avLst/>
@@ -1627,6 +1628,185 @@
   <p:cSld>
     <p:spTree>
       <p:nvGrpSpPr>
+        <p:cNvPr id="1" name="">
+          <a:extLst>
+            <a:ext uri="{FF2B5EF4-FFF2-40B4-BE49-F238E27FC236}">
+              <a16:creationId xmlns:a16="http://schemas.microsoft.com/office/drawing/2014/main" id="{22021F98-0C6B-B6A4-9658-725F2EBB56EE}"/>
+            </a:ext>
+          </a:extLst>
+        </p:cNvPr>
+        <p:cNvGrpSpPr/>
+        <p:nvPr/>
+      </p:nvGrpSpPr>
+      <p:grpSpPr>
+        <a:xfrm>
+          <a:off x="0" y="0"/>
+          <a:ext cx="0" cy="0"/>
+          <a:chOff x="0" y="0"/>
+          <a:chExt cx="0" cy="0"/>
+        </a:xfrm>
+      </p:grpSpPr>
+      <p:sp>
+        <p:nvSpPr>
+          <p:cNvPr id="352" name="PlaceHolder 1">
+            <a:extLst>
+              <a:ext uri="{FF2B5EF4-FFF2-40B4-BE49-F238E27FC236}">
+                <a16:creationId xmlns:a16="http://schemas.microsoft.com/office/drawing/2014/main" id="{5EB98057-3D15-E044-9E8B-F11F7A399F62}"/>
+              </a:ext>
+            </a:extLst>
+          </p:cNvPr>
+          <p:cNvSpPr>
+            <a:spLocks noGrp="1" noRot="1" noChangeAspect="1"/>
+          </p:cNvSpPr>
+          <p:nvPr>
+            <p:ph type="sldImg"/>
+          </p:nvPr>
+        </p:nvSpPr>
+        <p:spPr>
+          <a:xfrm>
+            <a:off x="1376363" y="1336675"/>
+            <a:ext cx="4802187" cy="3602038"/>
+          </a:xfrm>
+          <a:prstGeom prst="rect">
+            <a:avLst/>
+          </a:prstGeom>
+          <a:ln w="0">
+            <a:noFill/>
+          </a:ln>
+        </p:spPr>
+      </p:sp>
+      <p:sp>
+        <p:nvSpPr>
+          <p:cNvPr id="353" name="PlaceHolder 2">
+            <a:extLst>
+              <a:ext uri="{FF2B5EF4-FFF2-40B4-BE49-F238E27FC236}">
+                <a16:creationId xmlns:a16="http://schemas.microsoft.com/office/drawing/2014/main" id="{302191FB-E3B3-36EF-A54E-CE904EF003CD}"/>
+              </a:ext>
+            </a:extLst>
+          </p:cNvPr>
+          <p:cNvSpPr>
+            <a:spLocks noGrp="1"/>
+          </p:cNvSpPr>
+          <p:nvPr>
+            <p:ph type="body"/>
+          </p:nvPr>
+        </p:nvSpPr>
+        <p:spPr>
+          <a:xfrm>
+            <a:off x="756000" y="5145120"/>
+            <a:ext cx="6042240" cy="4204440"/>
+          </a:xfrm>
+          <a:prstGeom prst="rect">
+            <a:avLst/>
+          </a:prstGeom>
+          <a:noFill/>
+          <a:ln w="0">
+            <a:noFill/>
+          </a:ln>
+        </p:spPr>
+        <p:txBody>
+          <a:bodyPr lIns="0" tIns="0" rIns="0" bIns="0" anchor="t">
+            <a:noAutofit/>
+          </a:bodyPr>
+          <a:lstStyle/>
+          <a:p>
+            <a:pPr marL="216000" indent="-216000">
+              <a:buNone/>
+            </a:pPr>
+            <a:endParaRPr lang="en-US" sz="1800" b="0" strike="noStrike" spc="-1">
+              <a:solidFill>
+                <a:srgbClr val="000000"/>
+              </a:solidFill>
+              <a:latin typeface="Arial"/>
+            </a:endParaRPr>
+          </a:p>
+        </p:txBody>
+      </p:sp>
+      <p:sp>
+        <p:nvSpPr>
+          <p:cNvPr id="354" name="CustomShape 3">
+            <a:extLst>
+              <a:ext uri="{FF2B5EF4-FFF2-40B4-BE49-F238E27FC236}">
+                <a16:creationId xmlns:a16="http://schemas.microsoft.com/office/drawing/2014/main" id="{EA4CB4AA-14E5-CAC4-4C25-16A3D3F5076E}"/>
+              </a:ext>
+            </a:extLst>
+          </p:cNvPr>
+          <p:cNvSpPr/>
+          <p:nvPr/>
+        </p:nvSpPr>
+        <p:spPr>
+          <a:xfrm>
+            <a:off x="0" y="10155240"/>
+            <a:ext cx="3270600" cy="531000"/>
+          </a:xfrm>
+          <a:prstGeom prst="rect">
+            <a:avLst/>
+          </a:prstGeom>
+          <a:noFill/>
+          <a:ln w="0">
+            <a:noFill/>
+          </a:ln>
+        </p:spPr>
+        <p:style>
+          <a:lnRef idx="0">
+            <a:scrgbClr r="0" g="0" b="0"/>
+          </a:lnRef>
+          <a:fillRef idx="0">
+            <a:scrgbClr r="0" g="0" b="0"/>
+          </a:fillRef>
+          <a:effectRef idx="0">
+            <a:scrgbClr r="0" g="0" b="0"/>
+          </a:effectRef>
+          <a:fontRef idx="minor"/>
+        </p:style>
+        <p:txBody>
+          <a:bodyPr lIns="90000" tIns="45000" rIns="90000" bIns="45000" anchor="b">
+            <a:noAutofit/>
+          </a:bodyPr>
+          <a:lstStyle/>
+          <a:p>
+            <a:pPr>
+              <a:lnSpc>
+                <a:spcPct val="100000"/>
+              </a:lnSpc>
+            </a:pPr>
+            <a:r>
+              <a:rPr lang="pt-BR" sz="1200" b="0" strike="noStrike" spc="-1">
+                <a:solidFill>
+                  <a:srgbClr val="000000"/>
+                </a:solidFill>
+                <a:latin typeface="Times New Roman"/>
+                <a:ea typeface="+mn-ea"/>
+              </a:rPr>
+              <a:t>Prof. André Hochuli</a:t>
+            </a:r>
+            <a:endParaRPr lang="en-US" sz="1200" b="0" strike="noStrike" spc="-1">
+              <a:solidFill>
+                <a:srgbClr val="000000"/>
+              </a:solidFill>
+              <a:latin typeface="Arial"/>
+            </a:endParaRPr>
+          </a:p>
+        </p:txBody>
+      </p:sp>
+    </p:spTree>
+    <p:extLst>
+      <p:ext uri="{BB962C8B-B14F-4D97-AF65-F5344CB8AC3E}">
+        <p14:creationId xmlns:p14="http://schemas.microsoft.com/office/powerpoint/2010/main" val="1788646165"/>
+      </p:ext>
+    </p:extLst>
+  </p:cSld>
+  <p:clrMapOvr>
+    <a:masterClrMapping/>
+  </p:clrMapOvr>
+</p:notes>
+</file>
+
+<file path=ppt/notesSlides/notesSlide17.xml><?xml version="1.0" encoding="utf-8"?>
+<p:notes xmlns:a="http://schemas.openxmlformats.org/drawingml/2006/main" xmlns:r="http://schemas.openxmlformats.org/officeDocument/2006/relationships" xmlns:p="http://schemas.openxmlformats.org/presentationml/2006/main">
+  <p:cSld>
+    <p:spTree>
+      <p:nvGrpSpPr>
         <p:cNvPr id="1" name=""/>
         <p:cNvGrpSpPr/>
         <p:nvPr/>
@@ -1651,8 +1831,8 @@
         </p:nvSpPr>
         <p:spPr>
           <a:xfrm>
-            <a:off x="1376280" y="1336680"/>
-            <a:ext cx="4802040" cy="3601800"/>
+            <a:off x="1376363" y="1336675"/>
+            <a:ext cx="4802187" cy="3602038"/>
           </a:xfrm>
           <a:prstGeom prst="rect">
             <a:avLst/>
@@ -27621,52 +27801,6 @@
           </a:p>
         </p:txBody>
       </p:sp>
-      <p:pic>
-        <p:nvPicPr>
-          <p:cNvPr id="279" name="Picture 2" descr="How to Identify Overfitting Machine Learning Models in Scikit-Learn"/>
-          <p:cNvPicPr/>
-          <p:nvPr/>
-        </p:nvPicPr>
-        <p:blipFill>
-          <a:blip r:embed="rId3"/>
-          <a:stretch/>
-        </p:blipFill>
-        <p:spPr>
-          <a:xfrm>
-            <a:off x="3561840" y="4145400"/>
-            <a:ext cx="3602160" cy="2701440"/>
-          </a:xfrm>
-          <a:prstGeom prst="rect">
-            <a:avLst/>
-          </a:prstGeom>
-          <a:ln w="0">
-            <a:noFill/>
-          </a:ln>
-        </p:spPr>
-      </p:pic>
-      <p:pic>
-        <p:nvPicPr>
-          <p:cNvPr id="280" name="Picture 4" descr="Overfitting e underfitting em Machine Learning - ABRACD - ASSOCIAÇÃO  BRASILEIRA DE CIÊNCIA DE DADOS"/>
-          <p:cNvPicPr/>
-          <p:nvPr/>
-        </p:nvPicPr>
-        <p:blipFill>
-          <a:blip r:embed="rId4"/>
-          <a:stretch/>
-        </p:blipFill>
-        <p:spPr>
-          <a:xfrm>
-            <a:off x="2125440" y="2140200"/>
-            <a:ext cx="6474960" cy="2249280"/>
-          </a:xfrm>
-          <a:prstGeom prst="rect">
-            <a:avLst/>
-          </a:prstGeom>
-          <a:ln w="0">
-            <a:noFill/>
-          </a:ln>
-        </p:spPr>
-      </p:pic>
       <p:sp>
         <p:nvSpPr>
           <p:cNvPr id="281" name="Text Box 3"/>
@@ -27675,8 +27809,8 @@
         </p:nvSpPr>
         <p:spPr>
           <a:xfrm>
-            <a:off x="360000" y="1636560"/>
-            <a:ext cx="4794480" cy="2378160"/>
+            <a:off x="359999" y="1636560"/>
+            <a:ext cx="9174600" cy="2378160"/>
           </a:xfrm>
           <a:prstGeom prst="rect">
             <a:avLst/>
@@ -27739,16 +27873,10 @@
               </a:tabLst>
             </a:pPr>
             <a:r>
-              <a:rPr lang="en-US" sz="1800" b="0" strike="noStrike" spc="-1">
-                <a:solidFill>
-                  <a:srgbClr val="000000"/>
-                </a:solidFill>
-                <a:latin typeface="Arial"/>
-                <a:ea typeface="DejaVu Sans"/>
-              </a:rPr>
-              <a:t>Bad generalization</a:t>
-            </a:r>
-            <a:endParaRPr lang="en-US" sz="1800" b="0" strike="noStrike" spc="-1">
+              <a:rPr lang="en-US" dirty="0"/>
+              <a:t>Overfitting occurs when a model captures noise or specific patterns in the training data, impairing its ability to generalize to unseen data. Strategies such as regularization, dropout, data augmentation, and transfer learning help mitigate this by controlling model complexity and leveraging pre-learned features.</a:t>
+            </a:r>
+            <a:endParaRPr lang="en-US" sz="1800" b="0" strike="noStrike" spc="-1" dirty="0">
               <a:solidFill>
                 <a:srgbClr val="000000"/>
               </a:solidFill>
@@ -27784,7 +27912,7 @@
                 <a:tab pos="9336240" algn="l"/>
               </a:tabLst>
             </a:pPr>
-            <a:endParaRPr lang="en-US" sz="1800" b="0" strike="noStrike" spc="-1">
+            <a:endParaRPr lang="en-US" sz="1800" b="0" strike="noStrike" spc="-1" dirty="0">
               <a:solidFill>
                 <a:srgbClr val="000000"/>
               </a:solidFill>
@@ -27820,51 +27948,76 @@
                 <a:tab pos="9336240" algn="l"/>
               </a:tabLst>
             </a:pPr>
-            <a:endParaRPr lang="en-US" sz="1800" b="0" strike="noStrike" spc="-1">
+            <a:endParaRPr lang="en-US" sz="1800" b="0" strike="noStrike" spc="-1" dirty="0">
               <a:solidFill>
                 <a:srgbClr val="000000"/>
               </a:solidFill>
               <a:latin typeface="Arial"/>
             </a:endParaRPr>
           </a:p>
-          <a:p>
-            <a:pPr>
-              <a:lnSpc>
-                <a:spcPct val="100000"/>
-              </a:lnSpc>
-              <a:tabLst>
-                <a:tab pos="192240" algn="l"/>
-                <a:tab pos="649440" algn="l"/>
-                <a:tab pos="1106640" algn="l"/>
-                <a:tab pos="1563840" algn="l"/>
-                <a:tab pos="2021040" algn="l"/>
-                <a:tab pos="2478240" algn="l"/>
-                <a:tab pos="2935440" algn="l"/>
-                <a:tab pos="3392640" algn="l"/>
-                <a:tab pos="3849840" algn="l"/>
-                <a:tab pos="4307040" algn="l"/>
-                <a:tab pos="4764240" algn="l"/>
-                <a:tab pos="5221440" algn="l"/>
-                <a:tab pos="5678640" algn="l"/>
-                <a:tab pos="6135840" algn="l"/>
-                <a:tab pos="6593040" algn="l"/>
-                <a:tab pos="7050240" algn="l"/>
-                <a:tab pos="7507440" algn="l"/>
-                <a:tab pos="7964640" algn="l"/>
-                <a:tab pos="8421840" algn="l"/>
-                <a:tab pos="8879040" algn="l"/>
-                <a:tab pos="9336240" algn="l"/>
-              </a:tabLst>
-            </a:pPr>
-            <a:endParaRPr lang="en-US" sz="1800" b="0" strike="noStrike" spc="-1">
-              <a:solidFill>
-                <a:srgbClr val="000000"/>
-              </a:solidFill>
-              <a:latin typeface="Arial"/>
-            </a:endParaRPr>
-          </a:p>
         </p:txBody>
       </p:sp>
+      <p:pic>
+        <p:nvPicPr>
+          <p:cNvPr id="2" name="Picture 2" descr="How to Identify Overfitting Machine Learning Models in Scikit-Learn">
+            <a:extLst>
+              <a:ext uri="{FF2B5EF4-FFF2-40B4-BE49-F238E27FC236}">
+                <a16:creationId xmlns:a16="http://schemas.microsoft.com/office/drawing/2014/main" id="{5DA5E7A5-8C3F-88D5-FDFB-DE659682AD0E}"/>
+              </a:ext>
+            </a:extLst>
+          </p:cNvPr>
+          <p:cNvPicPr/>
+          <p:nvPr/>
+        </p:nvPicPr>
+        <p:blipFill rotWithShape="1">
+          <a:blip r:embed="rId3"/>
+          <a:srcRect l="5053" t="10505" r="9110" b="5374"/>
+          <a:stretch>
+            <a:fillRect/>
+          </a:stretch>
+        </p:blipFill>
+        <p:spPr>
+          <a:xfrm>
+            <a:off x="445476" y="2892225"/>
+            <a:ext cx="2942492" cy="2012252"/>
+          </a:xfrm>
+          <a:prstGeom prst="rect">
+            <a:avLst/>
+          </a:prstGeom>
+          <a:ln w="0">
+            <a:noFill/>
+          </a:ln>
+        </p:spPr>
+      </p:pic>
+      <p:pic>
+        <p:nvPicPr>
+          <p:cNvPr id="3" name="Picture 4" descr="Overfitting e underfitting em Machine Learning - ABRACD - ASSOCIAÇÃO  BRASILEIRA DE CIÊNCIA DE DADOS">
+            <a:extLst>
+              <a:ext uri="{FF2B5EF4-FFF2-40B4-BE49-F238E27FC236}">
+                <a16:creationId xmlns:a16="http://schemas.microsoft.com/office/drawing/2014/main" id="{9E88E24D-63BF-398F-AD08-22F157AF732D}"/>
+              </a:ext>
+            </a:extLst>
+          </p:cNvPr>
+          <p:cNvPicPr/>
+          <p:nvPr/>
+        </p:nvPicPr>
+        <p:blipFill>
+          <a:blip r:embed="rId4"/>
+          <a:stretch/>
+        </p:blipFill>
+        <p:spPr>
+          <a:xfrm>
+            <a:off x="2748673" y="4396680"/>
+            <a:ext cx="6474960" cy="2249280"/>
+          </a:xfrm>
+          <a:prstGeom prst="rect">
+            <a:avLst/>
+          </a:prstGeom>
+          <a:ln w="0">
+            <a:noFill/>
+          </a:ln>
+        </p:spPr>
+      </p:pic>
     </p:spTree>
   </p:cSld>
   <p:clrMapOvr>
@@ -27933,16 +28086,16 @@
               </a:lnSpc>
             </a:pPr>
             <a:r>
-              <a:rPr lang="en-US" sz="3200" b="1" strike="noStrike" spc="-1">
+              <a:rPr lang="en-US" sz="3200" b="1" strike="noStrike" spc="-1" dirty="0">
                 <a:solidFill>
                   <a:srgbClr val="FFFFFF"/>
                 </a:solidFill>
                 <a:latin typeface="Latin Modern Sans"/>
                 <a:ea typeface="DejaVu Sans"/>
               </a:rPr>
-              <a:t>Overfitting</a:t>
-            </a:r>
-            <a:endParaRPr lang="en-US" sz="3200" b="0" strike="noStrike" spc="-1">
+              <a:t>Dropout</a:t>
+            </a:r>
+            <a:endParaRPr lang="en-US" sz="3200" b="0" strike="noStrike" spc="-1" dirty="0">
               <a:solidFill>
                 <a:srgbClr val="000000"/>
               </a:solidFill>
@@ -28214,52 +28367,6 @@
           </a:p>
         </p:txBody>
       </p:sp>
-      <p:pic>
-        <p:nvPicPr>
-          <p:cNvPr id="286" name="Picture 2" descr="How to Identify Overfitting Machine Learning Models in Scikit-Learn"/>
-          <p:cNvPicPr/>
-          <p:nvPr/>
-        </p:nvPicPr>
-        <p:blipFill>
-          <a:blip r:embed="rId3"/>
-          <a:stretch/>
-        </p:blipFill>
-        <p:spPr>
-          <a:xfrm>
-            <a:off x="3561840" y="4145400"/>
-            <a:ext cx="3602160" cy="2701440"/>
-          </a:xfrm>
-          <a:prstGeom prst="rect">
-            <a:avLst/>
-          </a:prstGeom>
-          <a:ln w="0">
-            <a:noFill/>
-          </a:ln>
-        </p:spPr>
-      </p:pic>
-      <p:pic>
-        <p:nvPicPr>
-          <p:cNvPr id="287" name="Picture 4" descr="Overfitting e underfitting em Machine Learning - ABRACD - ASSOCIAÇÃO  BRASILEIRA DE CIÊNCIA DE DADOS"/>
-          <p:cNvPicPr/>
-          <p:nvPr/>
-        </p:nvPicPr>
-        <p:blipFill>
-          <a:blip r:embed="rId4"/>
-          <a:stretch/>
-        </p:blipFill>
-        <p:spPr>
-          <a:xfrm>
-            <a:off x="2125440" y="2140200"/>
-            <a:ext cx="6474960" cy="2249280"/>
-          </a:xfrm>
-          <a:prstGeom prst="rect">
-            <a:avLst/>
-          </a:prstGeom>
-          <a:ln w="0">
-            <a:noFill/>
-          </a:ln>
-        </p:spPr>
-      </p:pic>
       <p:sp>
         <p:nvSpPr>
           <p:cNvPr id="288" name="Text Box 3"/>
@@ -28269,7 +28376,7 @@
         <p:spPr>
           <a:xfrm>
             <a:off x="360000" y="1636560"/>
-            <a:ext cx="4794480" cy="2378160"/>
+            <a:ext cx="9174600" cy="2378160"/>
           </a:xfrm>
           <a:prstGeom prst="rect">
             <a:avLst/>
@@ -28332,16 +28439,10 @@
               </a:tabLst>
             </a:pPr>
             <a:r>
-              <a:rPr lang="en-US" sz="1800" b="0" strike="noStrike" spc="-1">
-                <a:solidFill>
-                  <a:srgbClr val="000000"/>
-                </a:solidFill>
-                <a:latin typeface="Arial"/>
-                <a:ea typeface="DejaVu Sans"/>
-              </a:rPr>
-              <a:t>Bad generalization</a:t>
-            </a:r>
-            <a:endParaRPr lang="en-US" sz="1800" b="0" strike="noStrike" spc="-1">
+              <a:rPr lang="en-US" dirty="0"/>
+              <a:t>Dropout is a regularization technique that randomly deactivates a fraction of neurons during training, forcing the model to learn redundant representations and reducing overfitting.</a:t>
+            </a:r>
+            <a:endParaRPr lang="en-US" sz="1800" b="0" strike="noStrike" spc="-1" dirty="0">
               <a:solidFill>
                 <a:srgbClr val="000000"/>
               </a:solidFill>
@@ -28377,7 +28478,7 @@
                 <a:tab pos="9336240" algn="l"/>
               </a:tabLst>
             </a:pPr>
-            <a:endParaRPr lang="en-US" sz="1800" b="0" strike="noStrike" spc="-1">
+            <a:endParaRPr lang="en-US" sz="1800" b="0" strike="noStrike" spc="-1" dirty="0">
               <a:solidFill>
                 <a:srgbClr val="000000"/>
               </a:solidFill>
@@ -28413,51 +28514,62 @@
                 <a:tab pos="9336240" algn="l"/>
               </a:tabLst>
             </a:pPr>
-            <a:endParaRPr lang="en-US" sz="1800" b="0" strike="noStrike" spc="-1">
+            <a:endParaRPr lang="en-US" sz="1800" b="0" strike="noStrike" spc="-1" dirty="0">
               <a:solidFill>
                 <a:srgbClr val="000000"/>
               </a:solidFill>
               <a:latin typeface="Arial"/>
             </a:endParaRPr>
           </a:p>
-          <a:p>
-            <a:pPr>
-              <a:lnSpc>
-                <a:spcPct val="100000"/>
-              </a:lnSpc>
-              <a:tabLst>
-                <a:tab pos="192240" algn="l"/>
-                <a:tab pos="649440" algn="l"/>
-                <a:tab pos="1106640" algn="l"/>
-                <a:tab pos="1563840" algn="l"/>
-                <a:tab pos="2021040" algn="l"/>
-                <a:tab pos="2478240" algn="l"/>
-                <a:tab pos="2935440" algn="l"/>
-                <a:tab pos="3392640" algn="l"/>
-                <a:tab pos="3849840" algn="l"/>
-                <a:tab pos="4307040" algn="l"/>
-                <a:tab pos="4764240" algn="l"/>
-                <a:tab pos="5221440" algn="l"/>
-                <a:tab pos="5678640" algn="l"/>
-                <a:tab pos="6135840" algn="l"/>
-                <a:tab pos="6593040" algn="l"/>
-                <a:tab pos="7050240" algn="l"/>
-                <a:tab pos="7507440" algn="l"/>
-                <a:tab pos="7964640" algn="l"/>
-                <a:tab pos="8421840" algn="l"/>
-                <a:tab pos="8879040" algn="l"/>
-                <a:tab pos="9336240" algn="l"/>
-              </a:tabLst>
-            </a:pPr>
-            <a:endParaRPr lang="en-US" sz="1800" b="0" strike="noStrike" spc="-1">
-              <a:solidFill>
-                <a:srgbClr val="000000"/>
-              </a:solidFill>
-              <a:latin typeface="Arial"/>
-            </a:endParaRPr>
-          </a:p>
         </p:txBody>
       </p:sp>
+      <p:pic>
+        <p:nvPicPr>
+          <p:cNvPr id="1026" name="Picture 2">
+            <a:extLst>
+              <a:ext uri="{FF2B5EF4-FFF2-40B4-BE49-F238E27FC236}">
+                <a16:creationId xmlns:a16="http://schemas.microsoft.com/office/drawing/2014/main" id="{6FDB4E98-EA0B-2D0B-55B1-FB3579A5E5F4}"/>
+              </a:ext>
+            </a:extLst>
+          </p:cNvPr>
+          <p:cNvPicPr>
+            <a:picLocks noChangeAspect="1" noChangeArrowheads="1"/>
+          </p:cNvPicPr>
+          <p:nvPr/>
+        </p:nvPicPr>
+        <p:blipFill>
+          <a:blip r:embed="rId3">
+            <a:extLst>
+              <a:ext uri="{28A0092B-C50C-407E-A947-70E740481C1C}">
+                <a14:useLocalDpi xmlns:a14="http://schemas.microsoft.com/office/drawing/2010/main" val="0"/>
+              </a:ext>
+            </a:extLst>
+          </a:blip>
+          <a:srcRect/>
+          <a:stretch>
+            <a:fillRect/>
+          </a:stretch>
+        </p:blipFill>
+        <p:spPr bwMode="auto">
+          <a:xfrm>
+            <a:off x="2028926" y="2912159"/>
+            <a:ext cx="6016748" cy="3334898"/>
+          </a:xfrm>
+          <a:prstGeom prst="rect">
+            <a:avLst/>
+          </a:prstGeom>
+          <a:noFill/>
+          <a:extLst>
+            <a:ext uri="{909E8E84-426E-40DD-AFC4-6F175D3DCCD1}">
+              <a14:hiddenFill xmlns:a14="http://schemas.microsoft.com/office/drawing/2010/main">
+                <a:solidFill>
+                  <a:srgbClr val="FFFFFF"/>
+                </a:solidFill>
+              </a14:hiddenFill>
+            </a:ext>
+          </a:extLst>
+        </p:spPr>
+      </p:pic>
     </p:spTree>
   </p:cSld>
   <p:clrMapOvr>
@@ -28861,8 +28973,8 @@
         </p:nvSpPr>
         <p:spPr>
           <a:xfrm>
-            <a:off x="360000" y="1636560"/>
-            <a:ext cx="4794480" cy="2378160"/>
+            <a:off x="359999" y="1636560"/>
+            <a:ext cx="6359777" cy="2378160"/>
           </a:xfrm>
           <a:prstGeom prst="rect">
             <a:avLst/>
@@ -28925,7 +29037,7 @@
               </a:tabLst>
             </a:pPr>
             <a:r>
-              <a:rPr lang="en-US" sz="1800" b="0" strike="noStrike" spc="-1">
+              <a:rPr lang="en-US" sz="1800" b="0" strike="noStrike" spc="-1" dirty="0">
                 <a:solidFill>
                   <a:srgbClr val="000000"/>
                 </a:solidFill>
@@ -28934,7 +29046,172 @@
               </a:rPr>
               <a:t>Enlarge the dataset with synthetic samples</a:t>
             </a:r>
-            <a:endParaRPr lang="en-US" sz="1800" b="0" strike="noStrike" spc="-1">
+          </a:p>
+          <a:p>
+            <a:pPr marL="649440" lvl="1" indent="-192240">
+              <a:buClr>
+                <a:srgbClr val="000000"/>
+              </a:buClr>
+              <a:buSzPct val="45000"/>
+              <a:buFont typeface="Wingdings" charset="2"/>
+              <a:buChar char=""/>
+              <a:tabLst>
+                <a:tab pos="192240" algn="l"/>
+                <a:tab pos="649440" algn="l"/>
+                <a:tab pos="1106640" algn="l"/>
+                <a:tab pos="1563840" algn="l"/>
+                <a:tab pos="2021040" algn="l"/>
+                <a:tab pos="2478240" algn="l"/>
+                <a:tab pos="2935440" algn="l"/>
+                <a:tab pos="3392640" algn="l"/>
+                <a:tab pos="3849840" algn="l"/>
+                <a:tab pos="4307040" algn="l"/>
+                <a:tab pos="4764240" algn="l"/>
+                <a:tab pos="5221440" algn="l"/>
+                <a:tab pos="5678640" algn="l"/>
+                <a:tab pos="6135840" algn="l"/>
+                <a:tab pos="6593040" algn="l"/>
+                <a:tab pos="7050240" algn="l"/>
+                <a:tab pos="7507440" algn="l"/>
+                <a:tab pos="7964640" algn="l"/>
+                <a:tab pos="8421840" algn="l"/>
+                <a:tab pos="8879040" algn="l"/>
+                <a:tab pos="9336240" algn="l"/>
+              </a:tabLst>
+            </a:pPr>
+            <a:r>
+              <a:rPr lang="en-US" spc="-1" dirty="0">
+                <a:solidFill>
+                  <a:srgbClr val="000000"/>
+                </a:solidFill>
+                <a:latin typeface="Arial"/>
+              </a:rPr>
+              <a:t>Rotation</a:t>
+            </a:r>
+          </a:p>
+          <a:p>
+            <a:pPr marL="649440" lvl="1" indent="-192240">
+              <a:buClr>
+                <a:srgbClr val="000000"/>
+              </a:buClr>
+              <a:buSzPct val="45000"/>
+              <a:buFont typeface="Wingdings" charset="2"/>
+              <a:buChar char=""/>
+              <a:tabLst>
+                <a:tab pos="192240" algn="l"/>
+                <a:tab pos="649440" algn="l"/>
+                <a:tab pos="1106640" algn="l"/>
+                <a:tab pos="1563840" algn="l"/>
+                <a:tab pos="2021040" algn="l"/>
+                <a:tab pos="2478240" algn="l"/>
+                <a:tab pos="2935440" algn="l"/>
+                <a:tab pos="3392640" algn="l"/>
+                <a:tab pos="3849840" algn="l"/>
+                <a:tab pos="4307040" algn="l"/>
+                <a:tab pos="4764240" algn="l"/>
+                <a:tab pos="5221440" algn="l"/>
+                <a:tab pos="5678640" algn="l"/>
+                <a:tab pos="6135840" algn="l"/>
+                <a:tab pos="6593040" algn="l"/>
+                <a:tab pos="7050240" algn="l"/>
+                <a:tab pos="7507440" algn="l"/>
+                <a:tab pos="7964640" algn="l"/>
+                <a:tab pos="8421840" algn="l"/>
+                <a:tab pos="8879040" algn="l"/>
+                <a:tab pos="9336240" algn="l"/>
+              </a:tabLst>
+            </a:pPr>
+            <a:r>
+              <a:rPr lang="en-US" b="0" strike="noStrike" spc="-1" dirty="0">
+                <a:solidFill>
+                  <a:srgbClr val="000000"/>
+                </a:solidFill>
+                <a:latin typeface="Arial"/>
+              </a:rPr>
+              <a:t>Crop</a:t>
+            </a:r>
+          </a:p>
+          <a:p>
+            <a:pPr marL="649440" lvl="1" indent="-192240">
+              <a:buClr>
+                <a:srgbClr val="000000"/>
+              </a:buClr>
+              <a:buSzPct val="45000"/>
+              <a:buFont typeface="Wingdings" charset="2"/>
+              <a:buChar char=""/>
+              <a:tabLst>
+                <a:tab pos="192240" algn="l"/>
+                <a:tab pos="649440" algn="l"/>
+                <a:tab pos="1106640" algn="l"/>
+                <a:tab pos="1563840" algn="l"/>
+                <a:tab pos="2021040" algn="l"/>
+                <a:tab pos="2478240" algn="l"/>
+                <a:tab pos="2935440" algn="l"/>
+                <a:tab pos="3392640" algn="l"/>
+                <a:tab pos="3849840" algn="l"/>
+                <a:tab pos="4307040" algn="l"/>
+                <a:tab pos="4764240" algn="l"/>
+                <a:tab pos="5221440" algn="l"/>
+                <a:tab pos="5678640" algn="l"/>
+                <a:tab pos="6135840" algn="l"/>
+                <a:tab pos="6593040" algn="l"/>
+                <a:tab pos="7050240" algn="l"/>
+                <a:tab pos="7507440" algn="l"/>
+                <a:tab pos="7964640" algn="l"/>
+                <a:tab pos="8421840" algn="l"/>
+                <a:tab pos="8879040" algn="l"/>
+                <a:tab pos="9336240" algn="l"/>
+              </a:tabLst>
+            </a:pPr>
+            <a:r>
+              <a:rPr lang="en-US" spc="-1" dirty="0">
+                <a:solidFill>
+                  <a:srgbClr val="000000"/>
+                </a:solidFill>
+                <a:latin typeface="Arial"/>
+              </a:rPr>
+              <a:t>Brightness</a:t>
+            </a:r>
+            <a:endParaRPr lang="en-US" b="0" strike="noStrike" spc="-1" dirty="0">
+              <a:solidFill>
+                <a:srgbClr val="000000"/>
+              </a:solidFill>
+              <a:latin typeface="Arial"/>
+            </a:endParaRPr>
+          </a:p>
+          <a:p>
+            <a:pPr marL="649440" lvl="1" indent="-192240">
+              <a:buClr>
+                <a:srgbClr val="000000"/>
+              </a:buClr>
+              <a:buSzPct val="45000"/>
+              <a:buFont typeface="Wingdings" charset="2"/>
+              <a:buChar char=""/>
+              <a:tabLst>
+                <a:tab pos="192240" algn="l"/>
+                <a:tab pos="649440" algn="l"/>
+                <a:tab pos="1106640" algn="l"/>
+                <a:tab pos="1563840" algn="l"/>
+                <a:tab pos="2021040" algn="l"/>
+                <a:tab pos="2478240" algn="l"/>
+                <a:tab pos="2935440" algn="l"/>
+                <a:tab pos="3392640" algn="l"/>
+                <a:tab pos="3849840" algn="l"/>
+                <a:tab pos="4307040" algn="l"/>
+                <a:tab pos="4764240" algn="l"/>
+                <a:tab pos="5221440" algn="l"/>
+                <a:tab pos="5678640" algn="l"/>
+                <a:tab pos="6135840" algn="l"/>
+                <a:tab pos="6593040" algn="l"/>
+                <a:tab pos="7050240" algn="l"/>
+                <a:tab pos="7507440" algn="l"/>
+                <a:tab pos="7964640" algn="l"/>
+                <a:tab pos="8421840" algn="l"/>
+                <a:tab pos="8879040" algn="l"/>
+                <a:tab pos="9336240" algn="l"/>
+              </a:tabLst>
+            </a:pPr>
+            <a:endParaRPr lang="en-US" b="0" strike="noStrike" spc="-1" dirty="0">
               <a:solidFill>
                 <a:srgbClr val="000000"/>
               </a:solidFill>
@@ -28970,7 +29247,7 @@
                 <a:tab pos="9336240" algn="l"/>
               </a:tabLst>
             </a:pPr>
-            <a:endParaRPr lang="en-US" sz="1800" b="0" strike="noStrike" spc="-1">
+            <a:endParaRPr lang="en-US" sz="1800" b="0" strike="noStrike" spc="-1" dirty="0">
               <a:solidFill>
                 <a:srgbClr val="000000"/>
               </a:solidFill>
@@ -29006,7 +29283,7 @@
                 <a:tab pos="9336240" algn="l"/>
               </a:tabLst>
             </a:pPr>
-            <a:endParaRPr lang="en-US" sz="1800" b="0" strike="noStrike" spc="-1">
+            <a:endParaRPr lang="en-US" sz="1800" b="0" strike="noStrike" spc="-1" dirty="0">
               <a:solidFill>
                 <a:srgbClr val="000000"/>
               </a:solidFill>
@@ -29042,7 +29319,7 @@
                 <a:tab pos="9336240" algn="l"/>
               </a:tabLst>
             </a:pPr>
-            <a:endParaRPr lang="en-US" sz="1800" b="0" strike="noStrike" spc="-1">
+            <a:endParaRPr lang="en-US" sz="1800" b="0" strike="noStrike" spc="-1" dirty="0">
               <a:solidFill>
                 <a:srgbClr val="000000"/>
               </a:solidFill>
@@ -29630,6 +29907,800 @@
   <p:cSld>
     <p:spTree>
       <p:nvGrpSpPr>
+        <p:cNvPr id="1" name="">
+          <a:extLst>
+            <a:ext uri="{FF2B5EF4-FFF2-40B4-BE49-F238E27FC236}">
+              <a16:creationId xmlns:a16="http://schemas.microsoft.com/office/drawing/2014/main" id="{3C0BD5C6-D188-BD90-9A85-80845422A797}"/>
+            </a:ext>
+          </a:extLst>
+        </p:cNvPr>
+        <p:cNvGrpSpPr/>
+        <p:nvPr/>
+      </p:nvGrpSpPr>
+      <p:grpSpPr>
+        <a:xfrm>
+          <a:off x="0" y="0"/>
+          <a:ext cx="0" cy="0"/>
+          <a:chOff x="0" y="0"/>
+          <a:chExt cx="0" cy="0"/>
+        </a:xfrm>
+      </p:grpSpPr>
+      <p:sp>
+        <p:nvSpPr>
+          <p:cNvPr id="296" name="CustomShape 1">
+            <a:extLst>
+              <a:ext uri="{FF2B5EF4-FFF2-40B4-BE49-F238E27FC236}">
+                <a16:creationId xmlns:a16="http://schemas.microsoft.com/office/drawing/2014/main" id="{419FD2C1-F72D-722A-1E06-A5487A646AB6}"/>
+              </a:ext>
+            </a:extLst>
+          </p:cNvPr>
+          <p:cNvSpPr/>
+          <p:nvPr/>
+        </p:nvSpPr>
+        <p:spPr>
+          <a:xfrm>
+            <a:off x="360000" y="360000"/>
+            <a:ext cx="9354600" cy="894600"/>
+          </a:xfrm>
+          <a:prstGeom prst="rect">
+            <a:avLst/>
+          </a:prstGeom>
+          <a:noFill/>
+          <a:ln w="0">
+            <a:noFill/>
+          </a:ln>
+        </p:spPr>
+        <p:style>
+          <a:lnRef idx="0">
+            <a:scrgbClr r="0" g="0" b="0"/>
+          </a:lnRef>
+          <a:fillRef idx="0">
+            <a:scrgbClr r="0" g="0" b="0"/>
+          </a:fillRef>
+          <a:effectRef idx="0">
+            <a:scrgbClr r="0" g="0" b="0"/>
+          </a:effectRef>
+          <a:fontRef idx="minor"/>
+        </p:style>
+        <p:txBody>
+          <a:bodyPr lIns="0" tIns="0" rIns="0" bIns="0" anchor="b">
+            <a:noAutofit/>
+          </a:bodyPr>
+          <a:lstStyle/>
+          <a:p>
+            <a:pPr>
+              <a:lnSpc>
+                <a:spcPct val="100000"/>
+              </a:lnSpc>
+            </a:pPr>
+            <a:r>
+              <a:rPr lang="en-US" sz="3200" b="1" strike="noStrike" spc="-1" dirty="0">
+                <a:solidFill>
+                  <a:srgbClr val="FFFFFF"/>
+                </a:solidFill>
+                <a:latin typeface="Latin Modern Sans"/>
+                <a:ea typeface="DejaVu Sans"/>
+              </a:rPr>
+              <a:t>Miscellaneous</a:t>
+            </a:r>
+            <a:endParaRPr lang="en-US" sz="3200" b="0" strike="noStrike" spc="-1" dirty="0">
+              <a:solidFill>
+                <a:srgbClr val="000000"/>
+              </a:solidFill>
+              <a:latin typeface="Arial"/>
+            </a:endParaRPr>
+          </a:p>
+        </p:txBody>
+      </p:sp>
+      <p:sp>
+        <p:nvSpPr>
+          <p:cNvPr id="297" name="CustomShape 2">
+            <a:extLst>
+              <a:ext uri="{FF2B5EF4-FFF2-40B4-BE49-F238E27FC236}">
+                <a16:creationId xmlns:a16="http://schemas.microsoft.com/office/drawing/2014/main" id="{0F409A61-5C30-C17C-668C-77783258A1EF}"/>
+              </a:ext>
+            </a:extLst>
+          </p:cNvPr>
+          <p:cNvSpPr/>
+          <p:nvPr/>
+        </p:nvSpPr>
+        <p:spPr>
+          <a:xfrm>
+            <a:off x="897120" y="6886080"/>
+            <a:ext cx="6441840" cy="359640"/>
+          </a:xfrm>
+          <a:prstGeom prst="rect">
+            <a:avLst/>
+          </a:prstGeom>
+          <a:noFill/>
+          <a:ln w="0">
+            <a:noFill/>
+          </a:ln>
+        </p:spPr>
+        <p:style>
+          <a:lnRef idx="0">
+            <a:scrgbClr r="0" g="0" b="0"/>
+          </a:lnRef>
+          <a:fillRef idx="0">
+            <a:scrgbClr r="0" g="0" b="0"/>
+          </a:fillRef>
+          <a:effectRef idx="0">
+            <a:scrgbClr r="0" g="0" b="0"/>
+          </a:effectRef>
+          <a:fontRef idx="minor"/>
+        </p:style>
+        <p:txBody>
+          <a:bodyPr lIns="90000" tIns="45000" rIns="90000" bIns="45000" anchor="t">
+            <a:noAutofit/>
+          </a:bodyPr>
+          <a:lstStyle/>
+          <a:p>
+            <a:pPr>
+              <a:lnSpc>
+                <a:spcPct val="100000"/>
+              </a:lnSpc>
+            </a:pPr>
+            <a:r>
+              <a:rPr lang="pt-BR" sz="1800" b="0" strike="noStrike" spc="-1">
+                <a:solidFill>
+                  <a:srgbClr val="000000"/>
+                </a:solidFill>
+                <a:latin typeface="Arial"/>
+                <a:ea typeface="DejaVu Sans"/>
+              </a:rPr>
+              <a:t>Computer Vision - Prof. André Hochuli</a:t>
+            </a:r>
+            <a:endParaRPr lang="en-US" sz="1800" b="0" strike="noStrike" spc="-1">
+              <a:solidFill>
+                <a:srgbClr val="000000"/>
+              </a:solidFill>
+              <a:latin typeface="Arial"/>
+            </a:endParaRPr>
+          </a:p>
+        </p:txBody>
+      </p:sp>
+      <p:sp>
+        <p:nvSpPr>
+          <p:cNvPr id="298" name="CustomShape 3">
+            <a:extLst>
+              <a:ext uri="{FF2B5EF4-FFF2-40B4-BE49-F238E27FC236}">
+                <a16:creationId xmlns:a16="http://schemas.microsoft.com/office/drawing/2014/main" id="{11DAD524-4B95-D7A0-E18F-AD1D6E7ECFF5}"/>
+              </a:ext>
+            </a:extLst>
+          </p:cNvPr>
+          <p:cNvSpPr/>
+          <p:nvPr/>
+        </p:nvSpPr>
+        <p:spPr>
+          <a:xfrm>
+            <a:off x="7608600" y="6886080"/>
+            <a:ext cx="2279880" cy="359640"/>
+          </a:xfrm>
+          <a:prstGeom prst="rect">
+            <a:avLst/>
+          </a:prstGeom>
+          <a:noFill/>
+          <a:ln w="0">
+            <a:noFill/>
+          </a:ln>
+        </p:spPr>
+        <p:style>
+          <a:lnRef idx="0">
+            <a:scrgbClr r="0" g="0" b="0"/>
+          </a:lnRef>
+          <a:fillRef idx="0">
+            <a:scrgbClr r="0" g="0" b="0"/>
+          </a:fillRef>
+          <a:effectRef idx="0">
+            <a:scrgbClr r="0" g="0" b="0"/>
+          </a:effectRef>
+          <a:fontRef idx="minor"/>
+        </p:style>
+        <p:txBody>
+          <a:bodyPr lIns="90000" tIns="45000" rIns="90000" bIns="45000" anchor="t">
+            <a:noAutofit/>
+          </a:bodyPr>
+          <a:lstStyle/>
+          <a:p>
+            <a:pPr>
+              <a:lnSpc>
+                <a:spcPct val="100000"/>
+              </a:lnSpc>
+            </a:pPr>
+            <a:r>
+              <a:rPr lang="en-US" sz="1800" b="0" strike="noStrike" spc="-1">
+                <a:solidFill>
+                  <a:srgbClr val="000000"/>
+                </a:solidFill>
+                <a:latin typeface="Arial"/>
+                <a:ea typeface="DejaVu Sans"/>
+              </a:rPr>
+              <a:t>Lecture</a:t>
+            </a:r>
+            <a:r>
+              <a:rPr lang="pt-BR" sz="1800" b="0" strike="noStrike" spc="-1">
+                <a:solidFill>
+                  <a:srgbClr val="000000"/>
+                </a:solidFill>
+                <a:latin typeface="Arial"/>
+                <a:ea typeface="DejaVu Sans"/>
+              </a:rPr>
+              <a:t> 10</a:t>
+            </a:r>
+            <a:endParaRPr lang="en-US" sz="1800" b="0" strike="noStrike" spc="-1">
+              <a:solidFill>
+                <a:srgbClr val="000000"/>
+              </a:solidFill>
+              <a:latin typeface="Arial"/>
+            </a:endParaRPr>
+          </a:p>
+          <a:p>
+            <a:pPr>
+              <a:lnSpc>
+                <a:spcPct val="100000"/>
+              </a:lnSpc>
+            </a:pPr>
+            <a:endParaRPr lang="en-US" sz="1800" b="0" strike="noStrike" spc="-1">
+              <a:solidFill>
+                <a:srgbClr val="000000"/>
+              </a:solidFill>
+              <a:latin typeface="Arial"/>
+            </a:endParaRPr>
+          </a:p>
+        </p:txBody>
+      </p:sp>
+      <p:sp>
+        <p:nvSpPr>
+          <p:cNvPr id="299" name="CustomShape 4">
+            <a:extLst>
+              <a:ext uri="{FF2B5EF4-FFF2-40B4-BE49-F238E27FC236}">
+                <a16:creationId xmlns:a16="http://schemas.microsoft.com/office/drawing/2014/main" id="{738D182B-E7C6-FA64-968D-9DB0E2DE8A23}"/>
+              </a:ext>
+            </a:extLst>
+          </p:cNvPr>
+          <p:cNvSpPr/>
+          <p:nvPr/>
+        </p:nvSpPr>
+        <p:spPr>
+          <a:xfrm>
+            <a:off x="360000" y="1827720"/>
+            <a:ext cx="9174600" cy="4674600"/>
+          </a:xfrm>
+          <a:prstGeom prst="rect">
+            <a:avLst/>
+          </a:prstGeom>
+          <a:noFill/>
+          <a:ln w="0">
+            <a:noFill/>
+          </a:ln>
+        </p:spPr>
+        <p:style>
+          <a:lnRef idx="0">
+            <a:scrgbClr r="0" g="0" b="0"/>
+          </a:lnRef>
+          <a:fillRef idx="0">
+            <a:scrgbClr r="0" g="0" b="0"/>
+          </a:fillRef>
+          <a:effectRef idx="0">
+            <a:scrgbClr r="0" g="0" b="0"/>
+          </a:effectRef>
+          <a:fontRef idx="minor"/>
+        </p:style>
+        <p:txBody>
+          <a:bodyPr lIns="0" tIns="0" rIns="0" bIns="0" anchor="t">
+            <a:normAutofit/>
+          </a:bodyPr>
+          <a:lstStyle/>
+          <a:p>
+            <a:pPr marL="3600">
+              <a:lnSpc>
+                <a:spcPct val="100000"/>
+              </a:lnSpc>
+              <a:spcAft>
+                <a:spcPts val="1140"/>
+              </a:spcAft>
+            </a:pPr>
+            <a:endParaRPr lang="en-US" sz="2000" b="0" strike="noStrike" spc="-1">
+              <a:solidFill>
+                <a:srgbClr val="000000"/>
+              </a:solidFill>
+              <a:latin typeface="Arial"/>
+            </a:endParaRPr>
+          </a:p>
+          <a:p>
+            <a:pPr marL="3600">
+              <a:lnSpc>
+                <a:spcPct val="100000"/>
+              </a:lnSpc>
+              <a:spcAft>
+                <a:spcPts val="1140"/>
+              </a:spcAft>
+            </a:pPr>
+            <a:endParaRPr lang="en-US" sz="2000" b="0" strike="noStrike" spc="-1">
+              <a:solidFill>
+                <a:srgbClr val="000000"/>
+              </a:solidFill>
+              <a:latin typeface="Arial"/>
+            </a:endParaRPr>
+          </a:p>
+          <a:p>
+            <a:pPr marL="3600">
+              <a:lnSpc>
+                <a:spcPct val="100000"/>
+              </a:lnSpc>
+              <a:spcAft>
+                <a:spcPts val="1140"/>
+              </a:spcAft>
+            </a:pPr>
+            <a:endParaRPr lang="en-US" sz="2000" b="0" strike="noStrike" spc="-1">
+              <a:solidFill>
+                <a:srgbClr val="000000"/>
+              </a:solidFill>
+              <a:latin typeface="Arial"/>
+            </a:endParaRPr>
+          </a:p>
+          <a:p>
+            <a:pPr marL="3600">
+              <a:lnSpc>
+                <a:spcPct val="100000"/>
+              </a:lnSpc>
+              <a:spcAft>
+                <a:spcPts val="1140"/>
+              </a:spcAft>
+            </a:pPr>
+            <a:endParaRPr lang="en-US" sz="2000" b="0" strike="noStrike" spc="-1">
+              <a:solidFill>
+                <a:srgbClr val="000000"/>
+              </a:solidFill>
+              <a:latin typeface="Arial"/>
+            </a:endParaRPr>
+          </a:p>
+          <a:p>
+            <a:pPr marL="3600">
+              <a:lnSpc>
+                <a:spcPct val="100000"/>
+              </a:lnSpc>
+              <a:spcAft>
+                <a:spcPts val="1140"/>
+              </a:spcAft>
+            </a:pPr>
+            <a:endParaRPr lang="en-US" sz="2000" b="0" strike="noStrike" spc="-1">
+              <a:solidFill>
+                <a:srgbClr val="000000"/>
+              </a:solidFill>
+              <a:latin typeface="Arial"/>
+            </a:endParaRPr>
+          </a:p>
+        </p:txBody>
+      </p:sp>
+      <p:sp>
+        <p:nvSpPr>
+          <p:cNvPr id="300" name="Text Box 3">
+            <a:extLst>
+              <a:ext uri="{FF2B5EF4-FFF2-40B4-BE49-F238E27FC236}">
+                <a16:creationId xmlns:a16="http://schemas.microsoft.com/office/drawing/2014/main" id="{41C507BA-3644-E871-9C84-C54DB28F02CC}"/>
+              </a:ext>
+            </a:extLst>
+          </p:cNvPr>
+          <p:cNvSpPr/>
+          <p:nvPr/>
+        </p:nvSpPr>
+        <p:spPr>
+          <a:xfrm>
+            <a:off x="360000" y="1636560"/>
+            <a:ext cx="7080480" cy="2378160"/>
+          </a:xfrm>
+          <a:prstGeom prst="rect">
+            <a:avLst/>
+          </a:prstGeom>
+          <a:noFill/>
+          <a:ln w="0">
+            <a:noFill/>
+          </a:ln>
+        </p:spPr>
+        <p:style>
+          <a:lnRef idx="0">
+            <a:scrgbClr r="0" g="0" b="0"/>
+          </a:lnRef>
+          <a:fillRef idx="0">
+            <a:scrgbClr r="0" g="0" b="0"/>
+          </a:fillRef>
+          <a:effectRef idx="0">
+            <a:scrgbClr r="0" g="0" b="0"/>
+          </a:effectRef>
+          <a:fontRef idx="minor"/>
+        </p:style>
+        <p:txBody>
+          <a:bodyPr lIns="90000" tIns="58680" rIns="90000" bIns="45000" anchor="t">
+            <a:noAutofit/>
+          </a:bodyPr>
+          <a:lstStyle/>
+          <a:p>
+            <a:pPr marL="192240" indent="-192240">
+              <a:lnSpc>
+                <a:spcPct val="100000"/>
+              </a:lnSpc>
+              <a:buClr>
+                <a:srgbClr val="000000"/>
+              </a:buClr>
+              <a:buSzPct val="45000"/>
+              <a:buFont typeface="Wingdings" charset="2"/>
+              <a:buChar char=""/>
+              <a:tabLst>
+                <a:tab pos="192240" algn="l"/>
+                <a:tab pos="649440" algn="l"/>
+                <a:tab pos="1106640" algn="l"/>
+                <a:tab pos="1563840" algn="l"/>
+                <a:tab pos="2021040" algn="l"/>
+                <a:tab pos="2478240" algn="l"/>
+                <a:tab pos="2935440" algn="l"/>
+                <a:tab pos="3392640" algn="l"/>
+                <a:tab pos="3849840" algn="l"/>
+                <a:tab pos="4307040" algn="l"/>
+                <a:tab pos="4764240" algn="l"/>
+                <a:tab pos="5221440" algn="l"/>
+                <a:tab pos="5678640" algn="l"/>
+                <a:tab pos="6135840" algn="l"/>
+                <a:tab pos="6593040" algn="l"/>
+                <a:tab pos="7050240" algn="l"/>
+                <a:tab pos="7507440" algn="l"/>
+                <a:tab pos="7964640" algn="l"/>
+                <a:tab pos="8421840" algn="l"/>
+                <a:tab pos="8879040" algn="l"/>
+                <a:tab pos="9336240" algn="l"/>
+              </a:tabLst>
+            </a:pPr>
+            <a:r>
+              <a:rPr lang="en-US" sz="1800" b="0" strike="noStrike" spc="-1" dirty="0">
+                <a:solidFill>
+                  <a:srgbClr val="000000"/>
+                </a:solidFill>
+                <a:latin typeface="Arial"/>
+                <a:ea typeface="DejaVu Sans"/>
+              </a:rPr>
+              <a:t>Save and Load Weights</a:t>
+            </a:r>
+          </a:p>
+          <a:p>
+            <a:pPr marL="192240" indent="-192240">
+              <a:lnSpc>
+                <a:spcPct val="100000"/>
+              </a:lnSpc>
+              <a:buClr>
+                <a:srgbClr val="000000"/>
+              </a:buClr>
+              <a:buSzPct val="45000"/>
+              <a:buFont typeface="Wingdings" charset="2"/>
+              <a:buChar char=""/>
+              <a:tabLst>
+                <a:tab pos="192240" algn="l"/>
+                <a:tab pos="649440" algn="l"/>
+                <a:tab pos="1106640" algn="l"/>
+                <a:tab pos="1563840" algn="l"/>
+                <a:tab pos="2021040" algn="l"/>
+                <a:tab pos="2478240" algn="l"/>
+                <a:tab pos="2935440" algn="l"/>
+                <a:tab pos="3392640" algn="l"/>
+                <a:tab pos="3849840" algn="l"/>
+                <a:tab pos="4307040" algn="l"/>
+                <a:tab pos="4764240" algn="l"/>
+                <a:tab pos="5221440" algn="l"/>
+                <a:tab pos="5678640" algn="l"/>
+                <a:tab pos="6135840" algn="l"/>
+                <a:tab pos="6593040" algn="l"/>
+                <a:tab pos="7050240" algn="l"/>
+                <a:tab pos="7507440" algn="l"/>
+                <a:tab pos="7964640" algn="l"/>
+                <a:tab pos="8421840" algn="l"/>
+                <a:tab pos="8879040" algn="l"/>
+                <a:tab pos="9336240" algn="l"/>
+              </a:tabLst>
+            </a:pPr>
+            <a:endParaRPr lang="en-US" spc="-1" dirty="0">
+              <a:solidFill>
+                <a:srgbClr val="000000"/>
+              </a:solidFill>
+              <a:latin typeface="Arial"/>
+            </a:endParaRPr>
+          </a:p>
+          <a:p>
+            <a:pPr marL="192240" indent="-192240">
+              <a:lnSpc>
+                <a:spcPct val="100000"/>
+              </a:lnSpc>
+              <a:buClr>
+                <a:srgbClr val="000000"/>
+              </a:buClr>
+              <a:buSzPct val="45000"/>
+              <a:buFont typeface="Wingdings" charset="2"/>
+              <a:buChar char=""/>
+              <a:tabLst>
+                <a:tab pos="192240" algn="l"/>
+                <a:tab pos="649440" algn="l"/>
+                <a:tab pos="1106640" algn="l"/>
+                <a:tab pos="1563840" algn="l"/>
+                <a:tab pos="2021040" algn="l"/>
+                <a:tab pos="2478240" algn="l"/>
+                <a:tab pos="2935440" algn="l"/>
+                <a:tab pos="3392640" algn="l"/>
+                <a:tab pos="3849840" algn="l"/>
+                <a:tab pos="4307040" algn="l"/>
+                <a:tab pos="4764240" algn="l"/>
+                <a:tab pos="5221440" algn="l"/>
+                <a:tab pos="5678640" algn="l"/>
+                <a:tab pos="6135840" algn="l"/>
+                <a:tab pos="6593040" algn="l"/>
+                <a:tab pos="7050240" algn="l"/>
+                <a:tab pos="7507440" algn="l"/>
+                <a:tab pos="7964640" algn="l"/>
+                <a:tab pos="8421840" algn="l"/>
+                <a:tab pos="8879040" algn="l"/>
+                <a:tab pos="9336240" algn="l"/>
+              </a:tabLst>
+            </a:pPr>
+            <a:r>
+              <a:rPr lang="en-US" sz="1800" b="0" strike="noStrike" spc="-1" dirty="0">
+                <a:solidFill>
+                  <a:srgbClr val="000000"/>
+                </a:solidFill>
+                <a:latin typeface="Arial"/>
+              </a:rPr>
+              <a:t>Model Checkpoint</a:t>
+            </a:r>
+          </a:p>
+          <a:p>
+            <a:pPr marL="192240" indent="-192240">
+              <a:lnSpc>
+                <a:spcPct val="100000"/>
+              </a:lnSpc>
+              <a:buClr>
+                <a:srgbClr val="000000"/>
+              </a:buClr>
+              <a:buSzPct val="45000"/>
+              <a:buFont typeface="Wingdings" charset="2"/>
+              <a:buChar char=""/>
+              <a:tabLst>
+                <a:tab pos="192240" algn="l"/>
+                <a:tab pos="649440" algn="l"/>
+                <a:tab pos="1106640" algn="l"/>
+                <a:tab pos="1563840" algn="l"/>
+                <a:tab pos="2021040" algn="l"/>
+                <a:tab pos="2478240" algn="l"/>
+                <a:tab pos="2935440" algn="l"/>
+                <a:tab pos="3392640" algn="l"/>
+                <a:tab pos="3849840" algn="l"/>
+                <a:tab pos="4307040" algn="l"/>
+                <a:tab pos="4764240" algn="l"/>
+                <a:tab pos="5221440" algn="l"/>
+                <a:tab pos="5678640" algn="l"/>
+                <a:tab pos="6135840" algn="l"/>
+                <a:tab pos="6593040" algn="l"/>
+                <a:tab pos="7050240" algn="l"/>
+                <a:tab pos="7507440" algn="l"/>
+                <a:tab pos="7964640" algn="l"/>
+                <a:tab pos="8421840" algn="l"/>
+                <a:tab pos="8879040" algn="l"/>
+                <a:tab pos="9336240" algn="l"/>
+              </a:tabLst>
+            </a:pPr>
+            <a:endParaRPr lang="en-US" spc="-1" dirty="0">
+              <a:solidFill>
+                <a:srgbClr val="000000"/>
+              </a:solidFill>
+              <a:latin typeface="Arial"/>
+            </a:endParaRPr>
+          </a:p>
+          <a:p>
+            <a:pPr marL="192240" indent="-192240">
+              <a:lnSpc>
+                <a:spcPct val="100000"/>
+              </a:lnSpc>
+              <a:buClr>
+                <a:srgbClr val="000000"/>
+              </a:buClr>
+              <a:buSzPct val="45000"/>
+              <a:buFont typeface="Wingdings" charset="2"/>
+              <a:buChar char=""/>
+              <a:tabLst>
+                <a:tab pos="192240" algn="l"/>
+                <a:tab pos="649440" algn="l"/>
+                <a:tab pos="1106640" algn="l"/>
+                <a:tab pos="1563840" algn="l"/>
+                <a:tab pos="2021040" algn="l"/>
+                <a:tab pos="2478240" algn="l"/>
+                <a:tab pos="2935440" algn="l"/>
+                <a:tab pos="3392640" algn="l"/>
+                <a:tab pos="3849840" algn="l"/>
+                <a:tab pos="4307040" algn="l"/>
+                <a:tab pos="4764240" algn="l"/>
+                <a:tab pos="5221440" algn="l"/>
+                <a:tab pos="5678640" algn="l"/>
+                <a:tab pos="6135840" algn="l"/>
+                <a:tab pos="6593040" algn="l"/>
+                <a:tab pos="7050240" algn="l"/>
+                <a:tab pos="7507440" algn="l"/>
+                <a:tab pos="7964640" algn="l"/>
+                <a:tab pos="8421840" algn="l"/>
+                <a:tab pos="8879040" algn="l"/>
+                <a:tab pos="9336240" algn="l"/>
+              </a:tabLst>
+            </a:pPr>
+            <a:r>
+              <a:rPr lang="en-US" sz="1800" b="0" strike="noStrike" spc="-1" dirty="0">
+                <a:solidFill>
+                  <a:srgbClr val="000000"/>
+                </a:solidFill>
+                <a:latin typeface="Arial"/>
+              </a:rPr>
+              <a:t>Resuming Training</a:t>
+            </a:r>
+            <a:endParaRPr lang="en-US" spc="-1" dirty="0">
+              <a:solidFill>
+                <a:srgbClr val="000000"/>
+              </a:solidFill>
+              <a:latin typeface="Arial"/>
+            </a:endParaRPr>
+          </a:p>
+          <a:p>
+            <a:pPr marL="192240" indent="-192240">
+              <a:lnSpc>
+                <a:spcPct val="100000"/>
+              </a:lnSpc>
+              <a:buClr>
+                <a:srgbClr val="000000"/>
+              </a:buClr>
+              <a:buSzPct val="45000"/>
+              <a:buFont typeface="Wingdings" charset="2"/>
+              <a:buChar char=""/>
+              <a:tabLst>
+                <a:tab pos="192240" algn="l"/>
+                <a:tab pos="649440" algn="l"/>
+                <a:tab pos="1106640" algn="l"/>
+                <a:tab pos="1563840" algn="l"/>
+                <a:tab pos="2021040" algn="l"/>
+                <a:tab pos="2478240" algn="l"/>
+                <a:tab pos="2935440" algn="l"/>
+                <a:tab pos="3392640" algn="l"/>
+                <a:tab pos="3849840" algn="l"/>
+                <a:tab pos="4307040" algn="l"/>
+                <a:tab pos="4764240" algn="l"/>
+                <a:tab pos="5221440" algn="l"/>
+                <a:tab pos="5678640" algn="l"/>
+                <a:tab pos="6135840" algn="l"/>
+                <a:tab pos="6593040" algn="l"/>
+                <a:tab pos="7050240" algn="l"/>
+                <a:tab pos="7507440" algn="l"/>
+                <a:tab pos="7964640" algn="l"/>
+                <a:tab pos="8421840" algn="l"/>
+                <a:tab pos="8879040" algn="l"/>
+                <a:tab pos="9336240" algn="l"/>
+              </a:tabLst>
+            </a:pPr>
+            <a:endParaRPr lang="en-US" sz="1800" b="0" strike="noStrike" spc="-1" dirty="0">
+              <a:solidFill>
+                <a:srgbClr val="000000"/>
+              </a:solidFill>
+              <a:latin typeface="Arial"/>
+            </a:endParaRPr>
+          </a:p>
+          <a:p>
+            <a:pPr marL="192240" indent="-192240">
+              <a:lnSpc>
+                <a:spcPct val="100000"/>
+              </a:lnSpc>
+              <a:buClr>
+                <a:srgbClr val="000000"/>
+              </a:buClr>
+              <a:buSzPct val="45000"/>
+              <a:buFont typeface="Wingdings" charset="2"/>
+              <a:buChar char=""/>
+              <a:tabLst>
+                <a:tab pos="192240" algn="l"/>
+                <a:tab pos="649440" algn="l"/>
+                <a:tab pos="1106640" algn="l"/>
+                <a:tab pos="1563840" algn="l"/>
+                <a:tab pos="2021040" algn="l"/>
+                <a:tab pos="2478240" algn="l"/>
+                <a:tab pos="2935440" algn="l"/>
+                <a:tab pos="3392640" algn="l"/>
+                <a:tab pos="3849840" algn="l"/>
+                <a:tab pos="4307040" algn="l"/>
+                <a:tab pos="4764240" algn="l"/>
+                <a:tab pos="5221440" algn="l"/>
+                <a:tab pos="5678640" algn="l"/>
+                <a:tab pos="6135840" algn="l"/>
+                <a:tab pos="6593040" algn="l"/>
+                <a:tab pos="7050240" algn="l"/>
+                <a:tab pos="7507440" algn="l"/>
+                <a:tab pos="7964640" algn="l"/>
+                <a:tab pos="8421840" algn="l"/>
+                <a:tab pos="8879040" algn="l"/>
+                <a:tab pos="9336240" algn="l"/>
+              </a:tabLst>
+            </a:pPr>
+            <a:r>
+              <a:rPr lang="en-US" spc="-1" dirty="0">
+                <a:solidFill>
+                  <a:srgbClr val="000000"/>
+                </a:solidFill>
+                <a:latin typeface="Arial"/>
+              </a:rPr>
+              <a:t>Early Stopping</a:t>
+            </a:r>
+            <a:endParaRPr lang="en-US" sz="1800" b="0" strike="noStrike" spc="-1" dirty="0">
+              <a:solidFill>
+                <a:srgbClr val="000000"/>
+              </a:solidFill>
+              <a:latin typeface="Arial"/>
+            </a:endParaRPr>
+          </a:p>
+        </p:txBody>
+      </p:sp>
+      <p:pic>
+        <p:nvPicPr>
+          <p:cNvPr id="2050" name="Picture 2" descr="Illustration of the concept of early stopping. The model that should be...  | Download Scientific Diagram">
+            <a:extLst>
+              <a:ext uri="{FF2B5EF4-FFF2-40B4-BE49-F238E27FC236}">
+                <a16:creationId xmlns:a16="http://schemas.microsoft.com/office/drawing/2014/main" id="{EBFE30D2-52EC-6FF6-05B9-C056E47027C2}"/>
+              </a:ext>
+            </a:extLst>
+          </p:cNvPr>
+          <p:cNvPicPr>
+            <a:picLocks noChangeAspect="1" noChangeArrowheads="1"/>
+          </p:cNvPicPr>
+          <p:nvPr/>
+        </p:nvPicPr>
+        <p:blipFill>
+          <a:blip r:embed="rId3">
+            <a:extLst>
+              <a:ext uri="{28A0092B-C50C-407E-A947-70E740481C1C}">
+                <a14:useLocalDpi xmlns:a14="http://schemas.microsoft.com/office/drawing/2010/main" val="0"/>
+              </a:ext>
+            </a:extLst>
+          </a:blip>
+          <a:srcRect/>
+          <a:stretch>
+            <a:fillRect/>
+          </a:stretch>
+        </p:blipFill>
+        <p:spPr bwMode="auto">
+          <a:xfrm>
+            <a:off x="2520461" y="3211833"/>
+            <a:ext cx="6821610" cy="3290487"/>
+          </a:xfrm>
+          <a:prstGeom prst="rect">
+            <a:avLst/>
+          </a:prstGeom>
+          <a:noFill/>
+          <a:extLst>
+            <a:ext uri="{909E8E84-426E-40DD-AFC4-6F175D3DCCD1}">
+              <a14:hiddenFill xmlns:a14="http://schemas.microsoft.com/office/drawing/2010/main">
+                <a:solidFill>
+                  <a:srgbClr val="FFFFFF"/>
+                </a:solidFill>
+              </a14:hiddenFill>
+            </a:ext>
+          </a:extLst>
+        </p:spPr>
+      </p:pic>
+    </p:spTree>
+    <p:extLst>
+      <p:ext uri="{BB962C8B-B14F-4D97-AF65-F5344CB8AC3E}">
+        <p14:creationId xmlns:p14="http://schemas.microsoft.com/office/powerpoint/2010/main" val="2639413090"/>
+      </p:ext>
+    </p:extLst>
+  </p:cSld>
+  <p:clrMapOvr>
+    <a:masterClrMapping/>
+  </p:clrMapOvr>
+</p:sld>
+</file>
+
+<file path=ppt/slides/slide17.xml><?xml version="1.0" encoding="utf-8"?>
+<p:sld xmlns:a="http://schemas.openxmlformats.org/drawingml/2006/main" xmlns:r="http://schemas.openxmlformats.org/officeDocument/2006/relationships" xmlns:p="http://schemas.openxmlformats.org/presentationml/2006/main">
+  <p:cSld>
+    <p:spTree>
+      <p:nvGrpSpPr>
         <p:cNvPr id="1" name=""/>
         <p:cNvGrpSpPr/>
         <p:nvPr/>
@@ -29850,247 +30921,39 @@
       </p:sp>
       <p:sp>
         <p:nvSpPr>
-          <p:cNvPr id="305" name="CustomShape 4"/>
-          <p:cNvSpPr/>
+          <p:cNvPr id="2" name="TextBox 1">
+            <a:extLst>
+              <a:ext uri="{FF2B5EF4-FFF2-40B4-BE49-F238E27FC236}">
+                <a16:creationId xmlns:a16="http://schemas.microsoft.com/office/drawing/2014/main" id="{746A29C3-BB73-696A-7E80-FE03ADC07D3D}"/>
+              </a:ext>
+            </a:extLst>
+          </p:cNvPr>
+          <p:cNvSpPr txBox="1"/>
           <p:nvPr/>
         </p:nvSpPr>
         <p:spPr>
           <a:xfrm>
-            <a:off x="360000" y="1827720"/>
-            <a:ext cx="9174600" cy="4674600"/>
+            <a:off x="182662" y="1704134"/>
+            <a:ext cx="8980953" cy="369332"/>
           </a:xfrm>
           <a:prstGeom prst="rect">
             <a:avLst/>
           </a:prstGeom>
           <a:noFill/>
-          <a:ln w="0">
-            <a:noFill/>
-          </a:ln>
         </p:spPr>
-        <p:style>
-          <a:lnRef idx="0">
-            <a:scrgbClr r="0" g="0" b="0"/>
-          </a:lnRef>
-          <a:fillRef idx="0">
-            <a:scrgbClr r="0" g="0" b="0"/>
-          </a:fillRef>
-          <a:effectRef idx="0">
-            <a:scrgbClr r="0" g="0" b="0"/>
-          </a:effectRef>
-          <a:fontRef idx="minor"/>
-        </p:style>
         <p:txBody>
-          <a:bodyPr lIns="0" tIns="0" rIns="0" bIns="0" anchor="t">
-            <a:normAutofit/>
+          <a:bodyPr wrap="square">
+            <a:spAutoFit/>
           </a:bodyPr>
           <a:lstStyle/>
           <a:p>
-            <a:pPr marL="3600">
-              <a:lnSpc>
-                <a:spcPct val="100000"/>
-              </a:lnSpc>
-              <a:spcAft>
-                <a:spcPts val="1140"/>
-              </a:spcAft>
-            </a:pPr>
-            <a:endParaRPr lang="en-US" sz="2000" b="0" strike="noStrike" spc="-1">
-              <a:solidFill>
-                <a:srgbClr val="000000"/>
-              </a:solidFill>
-              <a:latin typeface="Arial"/>
-            </a:endParaRPr>
-          </a:p>
-          <a:p>
-            <a:pPr marL="3600">
-              <a:lnSpc>
-                <a:spcPct val="100000"/>
-              </a:lnSpc>
-              <a:spcAft>
-                <a:spcPts val="1140"/>
-              </a:spcAft>
-            </a:pPr>
-            <a:endParaRPr lang="en-US" sz="2000" b="0" strike="noStrike" spc="-1">
-              <a:solidFill>
-                <a:srgbClr val="000000"/>
-              </a:solidFill>
-              <a:latin typeface="Arial"/>
-            </a:endParaRPr>
-          </a:p>
-          <a:p>
-            <a:pPr marL="3600">
-              <a:lnSpc>
-                <a:spcPct val="100000"/>
-              </a:lnSpc>
-              <a:spcAft>
-                <a:spcPts val="1140"/>
-              </a:spcAft>
-            </a:pPr>
-            <a:endParaRPr lang="en-US" sz="2000" b="0" strike="noStrike" spc="-1">
-              <a:solidFill>
-                <a:srgbClr val="000000"/>
-              </a:solidFill>
-              <a:latin typeface="Arial"/>
-            </a:endParaRPr>
-          </a:p>
-          <a:p>
-            <a:pPr marL="3600">
-              <a:lnSpc>
-                <a:spcPct val="100000"/>
-              </a:lnSpc>
-              <a:spcAft>
-                <a:spcPts val="1140"/>
-              </a:spcAft>
-            </a:pPr>
-            <a:endParaRPr lang="en-US" sz="2000" b="0" strike="noStrike" spc="-1">
-              <a:solidFill>
-                <a:srgbClr val="000000"/>
-              </a:solidFill>
-              <a:latin typeface="Arial"/>
-            </a:endParaRPr>
-          </a:p>
-          <a:p>
-            <a:pPr marL="3600">
-              <a:lnSpc>
-                <a:spcPct val="100000"/>
-              </a:lnSpc>
-              <a:spcAft>
-                <a:spcPts val="1140"/>
-              </a:spcAft>
-            </a:pPr>
-            <a:endParaRPr lang="en-US" sz="2000" b="0" strike="noStrike" spc="-1">
-              <a:solidFill>
-                <a:srgbClr val="000000"/>
-              </a:solidFill>
-              <a:latin typeface="Arial"/>
-            </a:endParaRPr>
-          </a:p>
-        </p:txBody>
-      </p:sp>
-      <p:sp>
-        <p:nvSpPr>
-          <p:cNvPr id="306" name="Text Box 3"/>
-          <p:cNvSpPr/>
-          <p:nvPr/>
-        </p:nvSpPr>
-        <p:spPr>
-          <a:xfrm>
-            <a:off x="360000" y="1636560"/>
-            <a:ext cx="7080480" cy="2378160"/>
-          </a:xfrm>
-          <a:prstGeom prst="rect">
-            <a:avLst/>
-          </a:prstGeom>
-          <a:noFill/>
-          <a:ln w="0">
-            <a:noFill/>
-          </a:ln>
-        </p:spPr>
-        <p:style>
-          <a:lnRef idx="0">
-            <a:scrgbClr r="0" g="0" b="0"/>
-          </a:lnRef>
-          <a:fillRef idx="0">
-            <a:scrgbClr r="0" g="0" b="0"/>
-          </a:fillRef>
-          <a:effectRef idx="0">
-            <a:scrgbClr r="0" g="0" b="0"/>
-          </a:effectRef>
-          <a:fontRef idx="minor"/>
-        </p:style>
-        <p:txBody>
-          <a:bodyPr lIns="90000" tIns="58680" rIns="90000" bIns="45000" anchor="t">
-            <a:noAutofit/>
-          </a:bodyPr>
-          <a:lstStyle/>
-          <a:p>
-            <a:pPr marL="192240" indent="-192240">
-              <a:lnSpc>
-                <a:spcPct val="100000"/>
-              </a:lnSpc>
-              <a:buClr>
-                <a:srgbClr val="000000"/>
-              </a:buClr>
-              <a:buSzPct val="45000"/>
-              <a:buFont typeface="Wingdings" charset="2"/>
-              <a:buChar char=""/>
-              <a:tabLst>
-                <a:tab pos="192240" algn="l"/>
-                <a:tab pos="649440" algn="l"/>
-                <a:tab pos="1106640" algn="l"/>
-                <a:tab pos="1563840" algn="l"/>
-                <a:tab pos="2021040" algn="l"/>
-                <a:tab pos="2478240" algn="l"/>
-                <a:tab pos="2935440" algn="l"/>
-                <a:tab pos="3392640" algn="l"/>
-                <a:tab pos="3849840" algn="l"/>
-                <a:tab pos="4307040" algn="l"/>
-                <a:tab pos="4764240" algn="l"/>
-                <a:tab pos="5221440" algn="l"/>
-                <a:tab pos="5678640" algn="l"/>
-                <a:tab pos="6135840" algn="l"/>
-                <a:tab pos="6593040" algn="l"/>
-                <a:tab pos="7050240" algn="l"/>
-                <a:tab pos="7507440" algn="l"/>
-                <a:tab pos="7964640" algn="l"/>
-                <a:tab pos="8421840" algn="l"/>
-                <a:tab pos="8879040" algn="l"/>
-                <a:tab pos="9336240" algn="l"/>
-              </a:tabLst>
-            </a:pPr>
-            <a:r>
-              <a:rPr lang="en-US" sz="1800" b="0" u="sng" strike="noStrike" spc="-1">
-                <a:solidFill>
-                  <a:srgbClr val="0000FF"/>
-                </a:solidFill>
-                <a:uFillTx/>
-                <a:latin typeface="Arial"/>
-                <a:ea typeface="DejaVu Sans"/>
+            <a:r>
+              <a:rPr lang="en-US" dirty="0">
                 <a:hlinkClick r:id="rId3"/>
               </a:rPr>
-              <a:t>[LINK]</a:t>
-            </a:r>
-            <a:endParaRPr lang="en-US" sz="1800" b="0" strike="noStrike" spc="-1">
-              <a:solidFill>
-                <a:srgbClr val="000000"/>
-              </a:solidFill>
-              <a:latin typeface="Arial"/>
-            </a:endParaRPr>
-          </a:p>
-          <a:p>
-            <a:pPr>
-              <a:lnSpc>
-                <a:spcPct val="100000"/>
-              </a:lnSpc>
-              <a:tabLst>
-                <a:tab pos="192240" algn="l"/>
-                <a:tab pos="649440" algn="l"/>
-                <a:tab pos="1106640" algn="l"/>
-                <a:tab pos="1563840" algn="l"/>
-                <a:tab pos="2021040" algn="l"/>
-                <a:tab pos="2478240" algn="l"/>
-                <a:tab pos="2935440" algn="l"/>
-                <a:tab pos="3392640" algn="l"/>
-                <a:tab pos="3849840" algn="l"/>
-                <a:tab pos="4307040" algn="l"/>
-                <a:tab pos="4764240" algn="l"/>
-                <a:tab pos="5221440" algn="l"/>
-                <a:tab pos="5678640" algn="l"/>
-                <a:tab pos="6135840" algn="l"/>
-                <a:tab pos="6593040" algn="l"/>
-                <a:tab pos="7050240" algn="l"/>
-                <a:tab pos="7507440" algn="l"/>
-                <a:tab pos="7964640" algn="l"/>
-                <a:tab pos="8421840" algn="l"/>
-                <a:tab pos="8879040" algn="l"/>
-                <a:tab pos="9336240" algn="l"/>
-              </a:tabLst>
-            </a:pPr>
-            <a:endParaRPr lang="en-US" sz="1800" b="0" strike="noStrike" spc="-1">
-              <a:solidFill>
-                <a:srgbClr val="000000"/>
-              </a:solidFill>
-              <a:latin typeface="Arial"/>
-            </a:endParaRPr>
+              <a:t>Lecture 07 - CNN Architecture</a:t>
+            </a:r>
+            <a:endParaRPr lang="en-BR" dirty="0"/>
           </a:p>
         </p:txBody>
       </p:sp>
